--- a/TIneret.pptx
+++ b/TIneret.pptx
@@ -15,6 +15,7 @@
     <p:sldId id="263" r:id="rId9"/>
     <p:sldId id="264" r:id="rId10"/>
     <p:sldId id="265" r:id="rId11"/>
+    <p:sldId id="266" r:id="rId12"/>
   </p:sldIdLst>
   <p:sldSz cx="9144000" cy="6858000" type="screen4x3"/>
   <p:notesSz cx="6858000" cy="9144000"/>
@@ -3898,6 +3899,477 @@
   <p:clrMapOvr>
     <a:masterClrMapping/>
   </p:clrMapOvr>
+  <p:timing>
+    <p:tnLst>
+      <p:par>
+        <p:cTn id="1" dur="indefinite" restart="never" nodeType="tmRoot"/>
+      </p:par>
+    </p:tnLst>
+  </p:timing>
+</p:sld>
+</file>
+
+<file path=ppt/slides/slide11.xml><?xml version="1.0" encoding="utf-8"?>
+<p:sld xmlns:a="http://schemas.openxmlformats.org/drawingml/2006/main" xmlns:r="http://schemas.openxmlformats.org/officeDocument/2006/relationships" xmlns:p="http://schemas.openxmlformats.org/presentationml/2006/main">
+  <p:cSld>
+    <p:spTree>
+      <p:nvGrpSpPr>
+        <p:cNvPr id="1" name=""/>
+        <p:cNvGrpSpPr/>
+        <p:nvPr/>
+      </p:nvGrpSpPr>
+      <p:grpSpPr>
+        <a:xfrm>
+          <a:off x="0" y="0"/>
+          <a:ext cx="0" cy="0"/>
+          <a:chOff x="0" y="0"/>
+          <a:chExt cx="0" cy="0"/>
+        </a:xfrm>
+      </p:grpSpPr>
+      <p:sp>
+        <p:nvSpPr>
+          <p:cNvPr id="3" name="Объект 2"/>
+          <p:cNvSpPr>
+            <a:spLocks noGrp="1"/>
+          </p:cNvSpPr>
+          <p:nvPr>
+            <p:ph idx="1"/>
+          </p:nvPr>
+        </p:nvSpPr>
+        <p:spPr>
+          <a:xfrm>
+            <a:off x="395536" y="1196752"/>
+            <a:ext cx="8229600" cy="4525963"/>
+          </a:xfrm>
+        </p:spPr>
+        <p:txBody>
+          <a:bodyPr/>
+          <a:lstStyle/>
+          <a:p>
+            <a:pPr marL="0" indent="0">
+              <a:buNone/>
+            </a:pPr>
+            <a:r>
+              <a:rPr lang="en-US" dirty="0" err="1" smtClean="0"/>
+              <a:t>Doar</a:t>
+            </a:r>
+            <a:r>
+              <a:rPr lang="en-US" dirty="0" smtClean="0"/>
+              <a:t> </a:t>
+            </a:r>
+            <a:r>
+              <a:rPr lang="en-US" dirty="0" err="1" smtClean="0"/>
+              <a:t>prin</a:t>
+            </a:r>
+            <a:r>
+              <a:rPr lang="en-US" dirty="0" smtClean="0"/>
+              <a:t> </a:t>
+            </a:r>
+            <a:r>
+              <a:rPr lang="en-US" dirty="0" err="1" smtClean="0"/>
+              <a:t>Isus</a:t>
+            </a:r>
+            <a:r>
+              <a:rPr lang="en-US" dirty="0" smtClean="0"/>
+              <a:t> </a:t>
+            </a:r>
+            <a:r>
+              <a:rPr lang="en-US" dirty="0" err="1" smtClean="0"/>
+              <a:t>avem</a:t>
+            </a:r>
+            <a:r>
+              <a:rPr lang="en-US" dirty="0"/>
+              <a:t> </a:t>
+            </a:r>
+            <a:r>
+              <a:rPr lang="en-US" dirty="0" err="1" smtClean="0"/>
+              <a:t>calea</a:t>
+            </a:r>
+            <a:r>
+              <a:rPr lang="en-US" dirty="0" smtClean="0"/>
+              <a:t>, </a:t>
+            </a:r>
+            <a:r>
+              <a:rPr lang="en-US" dirty="0" err="1" smtClean="0"/>
+              <a:t>adevarul</a:t>
+            </a:r>
+            <a:r>
+              <a:rPr lang="en-US" dirty="0" smtClean="0"/>
+              <a:t> </a:t>
+            </a:r>
+            <a:r>
+              <a:rPr lang="en-US" dirty="0" err="1" smtClean="0"/>
+              <a:t>si</a:t>
+            </a:r>
+            <a:r>
+              <a:rPr lang="en-US" dirty="0" smtClean="0"/>
+              <a:t> </a:t>
+            </a:r>
+            <a:r>
+              <a:rPr lang="en-US" dirty="0" err="1" smtClean="0"/>
+              <a:t>viata</a:t>
+            </a:r>
+            <a:r>
+              <a:rPr lang="en-US" dirty="0" smtClean="0"/>
+              <a:t> </a:t>
+            </a:r>
+            <a:r>
+              <a:rPr lang="en-US" dirty="0" err="1" smtClean="0"/>
+              <a:t>spre</a:t>
+            </a:r>
+            <a:r>
+              <a:rPr lang="en-US" dirty="0" smtClean="0"/>
+              <a:t> </a:t>
+            </a:r>
+            <a:r>
+              <a:rPr lang="en-US" dirty="0" err="1" smtClean="0"/>
+              <a:t>vesnicie</a:t>
+            </a:r>
+            <a:r>
+              <a:rPr lang="en-US" dirty="0" smtClean="0"/>
+              <a:t> cu </a:t>
+            </a:r>
+            <a:r>
+              <a:rPr lang="en-US" dirty="0" err="1" smtClean="0"/>
+              <a:t>Dumnezeu</a:t>
+            </a:r>
+            <a:r>
+              <a:rPr lang="en-US" dirty="0" smtClean="0"/>
+              <a:t> </a:t>
+            </a:r>
+            <a:r>
+              <a:rPr lang="en-US" dirty="0" err="1" smtClean="0"/>
+              <a:t>impreuna</a:t>
+            </a:r>
+            <a:r>
+              <a:rPr lang="en-US" dirty="0" smtClean="0"/>
+              <a:t>. </a:t>
+            </a:r>
+          </a:p>
+          <a:p>
+            <a:pPr marL="0" indent="0">
+              <a:buNone/>
+            </a:pPr>
+            <a:r>
+              <a:rPr lang="en-US" dirty="0" err="1" smtClean="0"/>
+              <a:t>Calea</a:t>
+            </a:r>
+            <a:r>
+              <a:rPr lang="en-US" dirty="0" smtClean="0"/>
+              <a:t> </a:t>
+            </a:r>
+            <a:r>
+              <a:rPr lang="en-US" dirty="0" err="1" smtClean="0"/>
+              <a:t>lui</a:t>
+            </a:r>
+            <a:r>
+              <a:rPr lang="en-US" dirty="0" smtClean="0"/>
+              <a:t> </a:t>
+            </a:r>
+            <a:r>
+              <a:rPr lang="en-US" dirty="0" err="1" smtClean="0"/>
+              <a:t>Dumnezeu</a:t>
+            </a:r>
+            <a:r>
+              <a:rPr lang="en-US" dirty="0" smtClean="0"/>
+              <a:t> ne duce </a:t>
+            </a:r>
+            <a:r>
+              <a:rPr lang="en-US" dirty="0" err="1" smtClean="0"/>
+              <a:t>drept</a:t>
+            </a:r>
+            <a:r>
+              <a:rPr lang="en-US" dirty="0" smtClean="0"/>
+              <a:t> la El, </a:t>
+            </a:r>
+            <a:r>
+              <a:rPr lang="en-US" dirty="0" err="1" smtClean="0"/>
+              <a:t>nui</a:t>
+            </a:r>
+            <a:r>
+              <a:rPr lang="en-US" dirty="0" smtClean="0"/>
+              <a:t> </a:t>
+            </a:r>
+            <a:r>
+              <a:rPr lang="en-US" dirty="0" err="1" smtClean="0"/>
+              <a:t>usor</a:t>
+            </a:r>
+            <a:r>
+              <a:rPr lang="en-US" dirty="0" smtClean="0"/>
+              <a:t> </a:t>
+            </a:r>
+            <a:r>
+              <a:rPr lang="en-US" dirty="0" err="1" smtClean="0"/>
+              <a:t>dar</a:t>
+            </a:r>
+            <a:r>
+              <a:rPr lang="en-US" dirty="0" smtClean="0"/>
+              <a:t> se  </a:t>
+            </a:r>
+            <a:r>
+              <a:rPr lang="en-US" dirty="0" err="1" smtClean="0"/>
+              <a:t>merita</a:t>
+            </a:r>
+            <a:r>
+              <a:rPr lang="en-US" dirty="0" smtClean="0"/>
+              <a:t> .</a:t>
+            </a:r>
+          </a:p>
+          <a:p>
+            <a:pPr marL="0" indent="0">
+              <a:buNone/>
+            </a:pPr>
+            <a:r>
+              <a:rPr lang="en-US" dirty="0" err="1" smtClean="0"/>
+              <a:t>Adevarul</a:t>
+            </a:r>
+            <a:r>
+              <a:rPr lang="en-US" dirty="0" smtClean="0"/>
+              <a:t> </a:t>
+            </a:r>
+            <a:r>
+              <a:rPr lang="en-US" dirty="0" err="1" smtClean="0"/>
+              <a:t>este</a:t>
+            </a:r>
+            <a:r>
+              <a:rPr lang="en-US" dirty="0" smtClean="0"/>
+              <a:t> </a:t>
+            </a:r>
+            <a:r>
+              <a:rPr lang="en-US" dirty="0" err="1" smtClean="0"/>
+              <a:t>cuvantul</a:t>
+            </a:r>
+            <a:r>
+              <a:rPr lang="en-US" dirty="0" smtClean="0"/>
+              <a:t> </a:t>
+            </a:r>
+            <a:r>
+              <a:rPr lang="en-US" dirty="0" err="1" smtClean="0"/>
+              <a:t>lui</a:t>
+            </a:r>
+            <a:r>
+              <a:rPr lang="en-US" dirty="0" smtClean="0"/>
+              <a:t> </a:t>
+            </a:r>
+            <a:r>
+              <a:rPr lang="en-US" dirty="0" err="1" smtClean="0"/>
+              <a:t>Dumnezeu</a:t>
+            </a:r>
+            <a:r>
+              <a:rPr lang="en-US" dirty="0" smtClean="0"/>
+              <a:t>, </a:t>
+            </a:r>
+            <a:r>
+              <a:rPr lang="en-US" dirty="0" err="1" smtClean="0"/>
+              <a:t>cuvantul</a:t>
+            </a:r>
+            <a:r>
+              <a:rPr lang="en-US" dirty="0" smtClean="0"/>
+              <a:t> era de la </a:t>
+            </a:r>
+            <a:r>
+              <a:rPr lang="en-US" dirty="0" err="1" smtClean="0"/>
+              <a:t>inceput</a:t>
+            </a:r>
+            <a:r>
+              <a:rPr lang="en-US" dirty="0" smtClean="0"/>
+              <a:t>. </a:t>
+            </a:r>
+            <a:r>
+              <a:rPr lang="en-US" dirty="0" err="1" smtClean="0"/>
+              <a:t>Doar</a:t>
+            </a:r>
+            <a:r>
+              <a:rPr lang="en-US" dirty="0" smtClean="0"/>
+              <a:t> in </a:t>
+            </a:r>
+            <a:r>
+              <a:rPr lang="en-US" dirty="0" err="1" smtClean="0"/>
+              <a:t>biblie</a:t>
+            </a:r>
+            <a:r>
+              <a:rPr lang="en-US" dirty="0" smtClean="0"/>
+              <a:t> </a:t>
+            </a:r>
+            <a:r>
+              <a:rPr lang="en-US" dirty="0" err="1" smtClean="0"/>
+              <a:t>putem</a:t>
+            </a:r>
+            <a:r>
+              <a:rPr lang="en-US" dirty="0" smtClean="0"/>
+              <a:t> </a:t>
+            </a:r>
+            <a:r>
+              <a:rPr lang="en-US" dirty="0" err="1" smtClean="0"/>
+              <a:t>afla</a:t>
+            </a:r>
+            <a:r>
+              <a:rPr lang="en-US" dirty="0" smtClean="0"/>
+              <a:t> </a:t>
+            </a:r>
+            <a:r>
+              <a:rPr lang="en-US" dirty="0" err="1" smtClean="0"/>
+              <a:t>raspunsul</a:t>
+            </a:r>
+            <a:r>
+              <a:rPr lang="en-US" dirty="0" smtClean="0"/>
+              <a:t> la </a:t>
+            </a:r>
+            <a:r>
+              <a:rPr lang="en-US" dirty="0" err="1" smtClean="0"/>
+              <a:t>toate</a:t>
+            </a:r>
+            <a:r>
+              <a:rPr lang="en-US" dirty="0" smtClean="0"/>
+              <a:t> </a:t>
+            </a:r>
+            <a:r>
+              <a:rPr lang="en-US" dirty="0" err="1" smtClean="0"/>
+              <a:t>intrebarile</a:t>
+            </a:r>
+            <a:r>
+              <a:rPr lang="en-US" dirty="0" smtClean="0"/>
+              <a:t> </a:t>
+            </a:r>
+            <a:r>
+              <a:rPr lang="en-US" dirty="0" err="1" smtClean="0"/>
+              <a:t>vietii</a:t>
+            </a:r>
+            <a:r>
+              <a:rPr lang="en-US" dirty="0" smtClean="0"/>
+              <a:t>.</a:t>
+            </a:r>
+          </a:p>
+          <a:p>
+            <a:pPr marL="0" indent="0">
+              <a:buNone/>
+            </a:pPr>
+            <a:r>
+              <a:rPr lang="en-US" dirty="0" err="1" smtClean="0"/>
+              <a:t>Isus</a:t>
+            </a:r>
+            <a:r>
+              <a:rPr lang="en-US" dirty="0" smtClean="0"/>
+              <a:t> </a:t>
+            </a:r>
+            <a:r>
+              <a:rPr lang="en-US" dirty="0" err="1" smtClean="0"/>
+              <a:t>este</a:t>
+            </a:r>
+            <a:r>
+              <a:rPr lang="en-US" dirty="0" smtClean="0"/>
+              <a:t> </a:t>
+            </a:r>
+            <a:r>
+              <a:rPr lang="en-US" dirty="0" err="1" smtClean="0"/>
+              <a:t>viata</a:t>
+            </a:r>
+            <a:r>
+              <a:rPr lang="en-US" dirty="0"/>
+              <a:t> </a:t>
+            </a:r>
+            <a:r>
+              <a:rPr lang="en-US" dirty="0" err="1" smtClean="0"/>
+              <a:t>adevarata</a:t>
+            </a:r>
+            <a:r>
+              <a:rPr lang="en-US" dirty="0" smtClean="0"/>
+              <a:t>. El a </a:t>
+            </a:r>
+            <a:r>
+              <a:rPr lang="en-US" dirty="0" err="1" smtClean="0"/>
+              <a:t>murit</a:t>
+            </a:r>
+            <a:r>
+              <a:rPr lang="en-US" dirty="0" smtClean="0"/>
+              <a:t> </a:t>
+            </a:r>
+            <a:r>
+              <a:rPr lang="en-US" dirty="0" err="1" smtClean="0"/>
+              <a:t>pentru</a:t>
+            </a:r>
+            <a:r>
+              <a:rPr lang="en-US" dirty="0" smtClean="0"/>
+              <a:t> ca </a:t>
+            </a:r>
+            <a:r>
+              <a:rPr lang="en-US" dirty="0" err="1" smtClean="0"/>
+              <a:t>oricine</a:t>
+            </a:r>
+            <a:r>
+              <a:rPr lang="en-US" dirty="0" smtClean="0"/>
+              <a:t> </a:t>
+            </a:r>
+            <a:r>
+              <a:rPr lang="en-US" dirty="0" err="1" smtClean="0"/>
+              <a:t>crede</a:t>
+            </a:r>
+            <a:r>
+              <a:rPr lang="en-US" dirty="0" smtClean="0"/>
+              <a:t> in El </a:t>
+            </a:r>
+            <a:r>
+              <a:rPr lang="en-US" dirty="0" err="1" smtClean="0"/>
+              <a:t>sa</a:t>
+            </a:r>
+            <a:r>
+              <a:rPr lang="en-US" dirty="0" smtClean="0"/>
+              <a:t> nu </a:t>
+            </a:r>
+            <a:r>
+              <a:rPr lang="en-US" dirty="0" err="1" smtClean="0"/>
+              <a:t>piara</a:t>
+            </a:r>
+            <a:r>
+              <a:rPr lang="en-US" dirty="0" smtClean="0"/>
+              <a:t> ci </a:t>
+            </a:r>
+            <a:r>
+              <a:rPr lang="en-US" dirty="0" err="1" smtClean="0"/>
+              <a:t>sa</a:t>
+            </a:r>
+            <a:r>
+              <a:rPr lang="en-US" dirty="0" smtClean="0"/>
+              <a:t> </a:t>
+            </a:r>
+            <a:r>
+              <a:rPr lang="en-US" dirty="0" err="1" smtClean="0"/>
+              <a:t>aiba</a:t>
+            </a:r>
+            <a:r>
+              <a:rPr lang="en-US" dirty="0" smtClean="0"/>
+              <a:t> </a:t>
+            </a:r>
+            <a:r>
+              <a:rPr lang="en-US" dirty="0" err="1" smtClean="0"/>
+              <a:t>viata</a:t>
+            </a:r>
+            <a:r>
+              <a:rPr lang="en-US" dirty="0" smtClean="0"/>
+              <a:t> </a:t>
+            </a:r>
+            <a:r>
+              <a:rPr lang="en-US" dirty="0" err="1" smtClean="0"/>
+              <a:t>vesnica</a:t>
+            </a:r>
+            <a:r>
+              <a:rPr lang="en-US" smtClean="0"/>
+              <a:t>.</a:t>
+            </a:r>
+            <a:endParaRPr lang="en-US" dirty="0" smtClean="0"/>
+          </a:p>
+        </p:txBody>
+      </p:sp>
+    </p:spTree>
+    <p:extLst>
+      <p:ext uri="{BB962C8B-B14F-4D97-AF65-F5344CB8AC3E}">
+        <p14:creationId xmlns:p14="http://schemas.microsoft.com/office/powerpoint/2010/main" val="322380811"/>
+      </p:ext>
+    </p:extLst>
+  </p:cSld>
+  <p:clrMapOvr>
+    <a:masterClrMapping/>
+  </p:clrMapOvr>
 </p:sld>
 </file>
 
@@ -5114,6 +5586,13 @@
   <p:clrMapOvr>
     <a:masterClrMapping/>
   </p:clrMapOvr>
+  <p:timing>
+    <p:tnLst>
+      <p:par>
+        <p:cTn id="1" dur="indefinite" restart="never" nodeType="tmRoot"/>
+      </p:par>
+    </p:tnLst>
+  </p:timing>
 </p:sld>
 </file>
 
@@ -5178,7 +5657,9 @@
         </p:nvSpPr>
         <p:spPr/>
         <p:txBody>
-          <a:bodyPr/>
+          <a:bodyPr>
+            <a:normAutofit fontScale="92500"/>
+          </a:bodyPr>
           <a:lstStyle/>
           <a:p>
             <a:pPr marL="0" indent="0">
@@ -5333,13 +5814,341 @@
               <a:t>seama</a:t>
             </a:r>
             <a:r>
-              <a:rPr lang="en-US" smtClean="0"/>
+              <a:rPr lang="en-US" dirty="0" smtClean="0"/>
               <a:t> . </a:t>
             </a:r>
+            <a:endParaRPr lang="en-US" dirty="0" smtClean="0"/>
+          </a:p>
+          <a:p>
+            <a:pPr marL="0" indent="0">
+              <a:buNone/>
+            </a:pPr>
+            <a:r>
+              <a:rPr lang="en-US" dirty="0" smtClean="0"/>
+              <a:t>Ioan1.1</a:t>
+            </a:r>
+          </a:p>
+          <a:p>
+            <a:pPr marL="0" indent="0">
+              <a:buNone/>
+            </a:pPr>
+            <a:endParaRPr lang="en-US" dirty="0" smtClean="0"/>
+          </a:p>
+          <a:p>
+            <a:pPr marL="0" indent="0">
+              <a:buNone/>
+            </a:pPr>
+            <a:r>
+              <a:rPr lang="en-US" dirty="0" err="1" smtClean="0"/>
+              <a:t>Ioan</a:t>
+            </a:r>
+            <a:r>
+              <a:rPr lang="en-US" dirty="0" smtClean="0"/>
+              <a:t> 17:17</a:t>
+            </a:r>
+          </a:p>
+          <a:p>
+            <a:pPr marL="0" indent="0">
+              <a:buNone/>
+            </a:pPr>
+            <a:endParaRPr lang="en-US" dirty="0"/>
+          </a:p>
+          <a:p>
+            <a:pPr marL="0" indent="0">
+              <a:buNone/>
+            </a:pPr>
+            <a:endParaRPr lang="en-US" dirty="0" smtClean="0"/>
+          </a:p>
+          <a:p>
+            <a:pPr marL="0" indent="0">
+              <a:buNone/>
+            </a:pPr>
+            <a:r>
+              <a:rPr lang="en-US" dirty="0" err="1" smtClean="0"/>
+              <a:t>Calea</a:t>
+            </a:r>
+            <a:r>
+              <a:rPr lang="en-US" dirty="0" smtClean="0"/>
+              <a:t> </a:t>
+            </a:r>
+            <a:r>
+              <a:rPr lang="en-US" dirty="0" err="1" smtClean="0"/>
+              <a:t>adevarului</a:t>
+            </a:r>
+            <a:r>
+              <a:rPr lang="en-US" dirty="0" smtClean="0"/>
+              <a:t> </a:t>
+            </a:r>
+            <a:r>
+              <a:rPr lang="en-US" dirty="0" err="1" smtClean="0"/>
+              <a:t>nui</a:t>
+            </a:r>
+            <a:r>
+              <a:rPr lang="en-US" dirty="0" smtClean="0"/>
+              <a:t> </a:t>
+            </a:r>
+            <a:r>
+              <a:rPr lang="en-US" dirty="0" err="1" smtClean="0"/>
+              <a:t>usoara</a:t>
+            </a:r>
+            <a:r>
+              <a:rPr lang="en-US" dirty="0" smtClean="0"/>
+              <a:t>, </a:t>
+            </a:r>
+            <a:r>
+              <a:rPr lang="en-US" dirty="0" err="1" smtClean="0"/>
+              <a:t>iar</a:t>
+            </a:r>
+            <a:r>
+              <a:rPr lang="en-US" dirty="0" smtClean="0"/>
+              <a:t> </a:t>
+            </a:r>
+            <a:r>
+              <a:rPr lang="en-US" dirty="0" err="1" smtClean="0"/>
+              <a:t>Petru</a:t>
+            </a:r>
+            <a:r>
+              <a:rPr lang="en-US" dirty="0" smtClean="0"/>
+              <a:t> ne </a:t>
+            </a:r>
+            <a:r>
+              <a:rPr lang="en-US" dirty="0" err="1" smtClean="0"/>
+              <a:t>spune</a:t>
+            </a:r>
+            <a:r>
+              <a:rPr lang="en-US" dirty="0" smtClean="0"/>
+              <a:t> ca </a:t>
+            </a:r>
+            <a:r>
+              <a:rPr lang="en-US" dirty="0" err="1" smtClean="0"/>
+              <a:t>calea</a:t>
+            </a:r>
+            <a:r>
+              <a:rPr lang="en-US" dirty="0" smtClean="0"/>
+              <a:t> </a:t>
+            </a:r>
+            <a:r>
+              <a:rPr lang="en-US" dirty="0" err="1" smtClean="0"/>
+              <a:t>aceasta</a:t>
+            </a:r>
+            <a:r>
+              <a:rPr lang="en-US" dirty="0" smtClean="0"/>
+              <a:t> v </a:t>
+            </a:r>
+            <a:r>
+              <a:rPr lang="en-US" dirty="0" err="1" smtClean="0"/>
+              <a:t>afi</a:t>
+            </a:r>
+            <a:r>
+              <a:rPr lang="en-US" dirty="0" smtClean="0"/>
+              <a:t> </a:t>
+            </a:r>
+            <a:r>
+              <a:rPr lang="en-US" dirty="0" err="1" smtClean="0"/>
+              <a:t>vorbita</a:t>
+            </a:r>
+            <a:r>
+              <a:rPr lang="en-US" dirty="0" smtClean="0"/>
+              <a:t>  de </a:t>
+            </a:r>
+            <a:r>
+              <a:rPr lang="en-US" dirty="0" err="1" smtClean="0"/>
+              <a:t>rau</a:t>
+            </a:r>
+            <a:r>
+              <a:rPr lang="en-US" dirty="0" smtClean="0"/>
+              <a:t>. </a:t>
+            </a:r>
+            <a:r>
+              <a:rPr lang="en-US" dirty="0" err="1" smtClean="0"/>
+              <a:t>Lumea</a:t>
+            </a:r>
+            <a:r>
+              <a:rPr lang="en-US" dirty="0" smtClean="0"/>
+              <a:t> nu ne </a:t>
+            </a:r>
+            <a:r>
+              <a:rPr lang="en-US" dirty="0" err="1" smtClean="0"/>
+              <a:t>va</a:t>
+            </a:r>
+            <a:r>
+              <a:rPr lang="en-US" dirty="0" smtClean="0"/>
+              <a:t> accept. </a:t>
+            </a:r>
+          </a:p>
+          <a:p>
+            <a:pPr marL="0" indent="0">
+              <a:buNone/>
+            </a:pPr>
+            <a:r>
+              <a:rPr lang="en-US" dirty="0" err="1" smtClean="0"/>
+              <a:t>Isus</a:t>
+            </a:r>
+            <a:r>
+              <a:rPr lang="en-US" dirty="0" smtClean="0"/>
+              <a:t> </a:t>
+            </a:r>
+            <a:r>
+              <a:rPr lang="en-US" dirty="0" err="1" smtClean="0"/>
+              <a:t>este</a:t>
+            </a:r>
+            <a:r>
+              <a:rPr lang="en-US" dirty="0" smtClean="0"/>
+              <a:t> </a:t>
+            </a:r>
+            <a:r>
+              <a:rPr lang="en-US" dirty="0" err="1" smtClean="0"/>
+              <a:t>adevarul</a:t>
+            </a:r>
+            <a:r>
+              <a:rPr lang="en-US" dirty="0" smtClean="0"/>
+              <a:t> </a:t>
+            </a:r>
+            <a:r>
+              <a:rPr lang="en-US" dirty="0" err="1" smtClean="0"/>
+              <a:t>absolut</a:t>
+            </a:r>
+            <a:r>
+              <a:rPr lang="en-US" dirty="0" smtClean="0"/>
+              <a:t>.</a:t>
+            </a:r>
+          </a:p>
+          <a:p>
+            <a:pPr marL="0" indent="0">
+              <a:buNone/>
+            </a:pPr>
             <a:endParaRPr lang="ru-RU" dirty="0"/>
           </a:p>
         </p:txBody>
       </p:sp>
+      <p:pic>
+        <p:nvPicPr>
+          <p:cNvPr id="1026" name="Picture 2"/>
+          <p:cNvPicPr>
+            <a:picLocks noChangeAspect="1" noChangeArrowheads="1"/>
+          </p:cNvPicPr>
+          <p:nvPr/>
+        </p:nvPicPr>
+        <p:blipFill>
+          <a:blip r:embed="rId2">
+            <a:extLst>
+              <a:ext uri="{28A0092B-C50C-407E-A947-70E740481C1C}">
+                <a14:useLocalDpi xmlns:a14="http://schemas.microsoft.com/office/drawing/2010/main" val="0"/>
+              </a:ext>
+            </a:extLst>
+          </a:blip>
+          <a:srcRect/>
+          <a:stretch>
+            <a:fillRect/>
+          </a:stretch>
+        </p:blipFill>
+        <p:spPr bwMode="auto">
+          <a:xfrm>
+            <a:off x="591344" y="2996952"/>
+            <a:ext cx="7731001" cy="550540"/>
+          </a:xfrm>
+          <a:prstGeom prst="rect">
+            <a:avLst/>
+          </a:prstGeom>
+          <a:noFill/>
+          <a:ln>
+            <a:noFill/>
+          </a:ln>
+          <a:effectLst/>
+          <a:extLst>
+            <a:ext uri="{909E8E84-426E-40DD-AFC4-6F175D3DCCD1}">
+              <a14:hiddenFill xmlns:a14="http://schemas.microsoft.com/office/drawing/2010/main">
+                <a:solidFill>
+                  <a:schemeClr val="accent1"/>
+                </a:solidFill>
+              </a14:hiddenFill>
+            </a:ext>
+            <a:ext uri="{91240B29-F687-4F45-9708-019B960494DF}">
+              <a14:hiddenLine xmlns:a14="http://schemas.microsoft.com/office/drawing/2010/main" w="9525">
+                <a:solidFill>
+                  <a:schemeClr val="tx1"/>
+                </a:solidFill>
+                <a:miter lim="800000"/>
+                <a:headEnd/>
+                <a:tailEnd/>
+              </a14:hiddenLine>
+            </a:ext>
+            <a:ext uri="{AF507438-7753-43E0-B8FC-AC1667EBCBE1}">
+              <a14:hiddenEffects xmlns:a14="http://schemas.microsoft.com/office/drawing/2010/main">
+                <a:effectLst>
+                  <a:outerShdw dist="35921" dir="2700000" algn="ctr" rotWithShape="0">
+                    <a:schemeClr val="bg2"/>
+                  </a:outerShdw>
+                </a:effectLst>
+              </a14:hiddenEffects>
+            </a:ext>
+          </a:extLst>
+        </p:spPr>
+      </p:pic>
+      <p:pic>
+        <p:nvPicPr>
+          <p:cNvPr id="1027" name="Picture 3"/>
+          <p:cNvPicPr>
+            <a:picLocks noChangeAspect="1" noChangeArrowheads="1"/>
+          </p:cNvPicPr>
+          <p:nvPr/>
+        </p:nvPicPr>
+        <p:blipFill>
+          <a:blip r:embed="rId3">
+            <a:extLst>
+              <a:ext uri="{28A0092B-C50C-407E-A947-70E740481C1C}">
+                <a14:useLocalDpi xmlns:a14="http://schemas.microsoft.com/office/drawing/2010/main" val="0"/>
+              </a:ext>
+            </a:extLst>
+          </a:blip>
+          <a:srcRect/>
+          <a:stretch>
+            <a:fillRect/>
+          </a:stretch>
+        </p:blipFill>
+        <p:spPr bwMode="auto">
+          <a:xfrm>
+            <a:off x="251521" y="3933056"/>
+            <a:ext cx="8568952" cy="648072"/>
+          </a:xfrm>
+          <a:prstGeom prst="rect">
+            <a:avLst/>
+          </a:prstGeom>
+          <a:noFill/>
+          <a:ln>
+            <a:noFill/>
+          </a:ln>
+          <a:effectLst/>
+          <a:extLst>
+            <a:ext uri="{909E8E84-426E-40DD-AFC4-6F175D3DCCD1}">
+              <a14:hiddenFill xmlns:a14="http://schemas.microsoft.com/office/drawing/2010/main">
+                <a:solidFill>
+                  <a:schemeClr val="accent1"/>
+                </a:solidFill>
+              </a14:hiddenFill>
+            </a:ext>
+            <a:ext uri="{91240B29-F687-4F45-9708-019B960494DF}">
+              <a14:hiddenLine xmlns:a14="http://schemas.microsoft.com/office/drawing/2010/main" w="9525">
+                <a:solidFill>
+                  <a:schemeClr val="tx1"/>
+                </a:solidFill>
+                <a:miter lim="800000"/>
+                <a:headEnd/>
+                <a:tailEnd/>
+              </a14:hiddenLine>
+            </a:ext>
+            <a:ext uri="{AF507438-7753-43E0-B8FC-AC1667EBCBE1}">
+              <a14:hiddenEffects xmlns:a14="http://schemas.microsoft.com/office/drawing/2010/main">
+                <a:effectLst>
+                  <a:outerShdw dist="35921" dir="2700000" algn="ctr" rotWithShape="0">
+                    <a:schemeClr val="bg2"/>
+                  </a:outerShdw>
+                </a:effectLst>
+              </a14:hiddenEffects>
+            </a:ext>
+          </a:extLst>
+        </p:spPr>
+      </p:pic>
     </p:spTree>
     <p:extLst>
       <p:ext uri="{BB962C8B-B14F-4D97-AF65-F5344CB8AC3E}">
@@ -5350,6 +6159,13 @@
   <p:clrMapOvr>
     <a:masterClrMapping/>
   </p:clrMapOvr>
+  <p:timing>
+    <p:tnLst>
+      <p:par>
+        <p:cTn id="1" dur="indefinite" restart="never" nodeType="tmRoot"/>
+      </p:par>
+    </p:tnLst>
+  </p:timing>
 </p:sld>
 </file>
 
@@ -5824,6 +6640,13 @@
   <p:clrMapOvr>
     <a:masterClrMapping/>
   </p:clrMapOvr>
+  <p:timing>
+    <p:tnLst>
+      <p:par>
+        <p:cTn id="1" dur="indefinite" restart="never" nodeType="tmRoot"/>
+      </p:par>
+    </p:tnLst>
+  </p:timing>
 </p:sld>
 </file>
 
@@ -6277,6 +7100,13 @@
   <p:clrMapOvr>
     <a:masterClrMapping/>
   </p:clrMapOvr>
+  <p:timing>
+    <p:tnLst>
+      <p:par>
+        <p:cTn id="1" dur="indefinite" restart="never" nodeType="tmRoot"/>
+      </p:par>
+    </p:tnLst>
+  </p:timing>
 </p:sld>
 </file>
 
@@ -6576,6 +7406,13 @@
   <p:clrMapOvr>
     <a:masterClrMapping/>
   </p:clrMapOvr>
+  <p:timing>
+    <p:tnLst>
+      <p:par>
+        <p:cTn id="1" dur="indefinite" restart="never" nodeType="tmRoot"/>
+      </p:par>
+    </p:tnLst>
+  </p:timing>
 </p:sld>
 </file>
 

--- a/TIneret.pptx
+++ b/TIneret.pptx
@@ -3466,22 +3466,6 @@
           </a:bodyPr>
           <a:lstStyle/>
           <a:p>
-            <a:r>
-              <a:rPr lang="en-US" dirty="0" err="1" smtClean="0">
-                <a:solidFill>
-                  <a:schemeClr val="tx1"/>
-                </a:solidFill>
-              </a:rPr>
-              <a:t>Ioan</a:t>
-            </a:r>
-            <a:r>
-              <a:rPr lang="en-US" dirty="0" smtClean="0">
-                <a:solidFill>
-                  <a:schemeClr val="tx1"/>
-                </a:solidFill>
-              </a:rPr>
-              <a:t> 14:1-6</a:t>
-            </a:r>
             <a:endParaRPr lang="ru-RU" dirty="0">
               <a:solidFill>
                 <a:schemeClr val="tx1"/>
@@ -5817,7 +5801,6 @@
               <a:rPr lang="en-US" dirty="0" smtClean="0"/>
               <a:t> . </a:t>
             </a:r>
-            <a:endParaRPr lang="en-US" dirty="0" smtClean="0"/>
           </a:p>
           <a:p>
             <a:pPr marL="0" indent="0">
